--- a/slides/Programación con Python09.pptx
+++ b/slides/Programación con Python09.pptx
@@ -25,7 +25,7 @@
     <p:sldId id="273" r:id="rId19"/>
     <p:sldId id="274" r:id="rId20"/>
     <p:sldId id="275" r:id="rId21"/>
-    <p:sldId id="276" r:id="rId22"/>
+    <p:sldId id="277" r:id="rId22"/>
   </p:sldIdLst>
   <p:sldSz cx="12192000" cy="6858000"/>
   <p:notesSz cx="6858000" cy="9144000"/>
@@ -5047,7 +5047,7 @@
           <p:cNvPr id="2" name="Título 1">
             <a:extLst>
               <a:ext uri="{FF2B5EF4-FFF2-40B4-BE49-F238E27FC236}">
-                <a16:creationId xmlns:a16="http://schemas.microsoft.com/office/drawing/2014/main" id="{C16CB231-FB90-40F4-B014-26607FD87630}"/>
+                <a16:creationId xmlns:a16="http://schemas.microsoft.com/office/drawing/2014/main" id="{BF6D5EB0-4E54-4C0C-B8DA-8990676F4636}"/>
               </a:ext>
             </a:extLst>
           </p:cNvPr>
@@ -5065,7 +5065,7 @@
           <a:p>
             <a:r>
               <a:rPr lang="es-MX" dirty="0"/>
-              <a:t>Herencia</a:t>
+              <a:t>Ejercicio 09-03</a:t>
             </a:r>
           </a:p>
         </p:txBody>
@@ -5075,7 +5075,7 @@
           <p:cNvPr id="3" name="Marcador de contenido 2">
             <a:extLst>
               <a:ext uri="{FF2B5EF4-FFF2-40B4-BE49-F238E27FC236}">
-                <a16:creationId xmlns:a16="http://schemas.microsoft.com/office/drawing/2014/main" id="{08B13E27-45F2-4D6B-978A-B7DD7A5CE678}"/>
+                <a16:creationId xmlns:a16="http://schemas.microsoft.com/office/drawing/2014/main" id="{BC6B0EF9-9DE0-491F-912C-D34F5AE6FD0F}"/>
               </a:ext>
             </a:extLst>
           </p:cNvPr>
@@ -5091,14 +5091,17 @@
           <a:bodyPr/>
           <a:lstStyle/>
           <a:p>
-            <a:endParaRPr lang="es-MX"/>
+            <a:r>
+              <a:rPr lang="es-MX" dirty="0"/>
+              <a:t>Tarea</a:t>
+            </a:r>
           </a:p>
         </p:txBody>
       </p:sp>
     </p:spTree>
     <p:extLst>
       <p:ext uri="{BB962C8B-B14F-4D97-AF65-F5344CB8AC3E}">
-        <p14:creationId xmlns:p14="http://schemas.microsoft.com/office/powerpoint/2010/main" val="337101698"/>
+        <p14:creationId xmlns:p14="http://schemas.microsoft.com/office/powerpoint/2010/main" val="1492360863"/>
       </p:ext>
     </p:extLst>
   </p:cSld>
